--- a/Single_Learning_Element/Powerpoint/Klassifikation/Bilder.pptx
+++ b/Single_Learning_Element/Powerpoint/Klassifikation/Bilder.pptx
@@ -5879,18 +5879,15 @@
               </a:rPr>
               <a:t>Greiwe</a:t>
             </a:r>
-            <a:r>
-              <a:rPr lang="en-US" sz="2250" dirty="0">
-                <a:solidFill>
-                  <a:srgbClr val="FFFFFF"/>
-                </a:solidFill>
-                <a:latin typeface="Urbanist Medium"/>
-                <a:ea typeface="Urbanist Medium"/>
-                <a:cs typeface="Urbanist Medium"/>
-                <a:sym typeface="Urbanist Medium"/>
-              </a:rPr>
-              <a:t> – Own Work</a:t>
-            </a:r>
+            <a:endParaRPr lang="en-US" sz="2250" dirty="0">
+              <a:solidFill>
+                <a:srgbClr val="FFFFFF"/>
+              </a:solidFill>
+              <a:latin typeface="Urbanist Medium"/>
+              <a:ea typeface="Urbanist Medium"/>
+              <a:cs typeface="Urbanist Medium"/>
+              <a:sym typeface="Urbanist Medium"/>
+            </a:endParaRPr>
           </a:p>
           <a:p>
             <a:pPr>
@@ -5946,18 +5943,15 @@
               </a:rPr>
               <a:t>Greiwe</a:t>
             </a:r>
-            <a:r>
-              <a:rPr lang="en-US" sz="2250" dirty="0">
-                <a:solidFill>
-                  <a:srgbClr val="FFFFFF"/>
-                </a:solidFill>
-                <a:latin typeface="Urbanist Medium"/>
-                <a:ea typeface="Urbanist Medium"/>
-                <a:cs typeface="Urbanist Medium"/>
-                <a:sym typeface="Urbanist Medium"/>
-              </a:rPr>
-              <a:t> – Own Work</a:t>
-            </a:r>
+            <a:endParaRPr lang="en-US" sz="2250" dirty="0">
+              <a:solidFill>
+                <a:srgbClr val="FFFFFF"/>
+              </a:solidFill>
+              <a:latin typeface="Urbanist Medium"/>
+              <a:ea typeface="Urbanist Medium"/>
+              <a:cs typeface="Urbanist Medium"/>
+              <a:sym typeface="Urbanist Medium"/>
+            </a:endParaRPr>
           </a:p>
           <a:p>
             <a:pPr>
@@ -6047,7 +6041,7 @@
                 <a:cs typeface="Urbanist Medium"/>
                 <a:sym typeface="Urbanist Medium"/>
               </a:rPr>
-              <a:t> – own Work - https://commons.wikimedia.org/wiki/File:Object_based_image_analysis.jpg</a:t>
+              <a:t> – https://commons.wikimedia.org/wiki/File:Object_based_image_analysis.jpg</a:t>
             </a:r>
           </a:p>
           <a:p>
